--- a/LoLo PPW1.pptx
+++ b/LoLo PPW1.pptx
@@ -206,7 +206,7 @@
           <a:p>
             <a:fld id="{91B93A1D-BBE8-47E0-B8CE-23D5F011649F}" type="datetimeFigureOut">
               <a:rPr lang="en-US" smtClean="0"/>
-              <a:t>2/18/2020</a:t>
+              <a:t>27/02/2020</a:t>
             </a:fld>
             <a:endParaRPr lang="en-US"/>
           </a:p>
@@ -747,7 +747,7 @@
           <a:p>
             <a:fld id="{AB8574FD-092A-4AB6-82E7-EA1D5F8CD1D9}" type="datetimeFigureOut">
               <a:rPr lang="en-US" smtClean="0"/>
-              <a:t>2/18/2020</a:t>
+              <a:t>27/02/2020</a:t>
             </a:fld>
             <a:endParaRPr lang="en-US"/>
           </a:p>
@@ -924,7 +924,7 @@
           <a:p>
             <a:fld id="{AB8574FD-092A-4AB6-82E7-EA1D5F8CD1D9}" type="datetimeFigureOut">
               <a:rPr lang="en-US" smtClean="0"/>
-              <a:t>2/18/2020</a:t>
+              <a:t>27/02/2020</a:t>
             </a:fld>
             <a:endParaRPr lang="en-US"/>
           </a:p>
@@ -1122,7 +1122,7 @@
           <a:p>
             <a:fld id="{AB8574FD-092A-4AB6-82E7-EA1D5F8CD1D9}" type="datetimeFigureOut">
               <a:rPr lang="en-US" smtClean="0"/>
-              <a:t>2/18/2020</a:t>
+              <a:t>27/02/2020</a:t>
             </a:fld>
             <a:endParaRPr lang="en-US"/>
           </a:p>
@@ -1276,7 +1276,7 @@
           <a:p>
             <a:fld id="{AB8574FD-092A-4AB6-82E7-EA1D5F8CD1D9}" type="datetimeFigureOut">
               <a:rPr lang="en-US" smtClean="0"/>
-              <a:t>2/18/2020</a:t>
+              <a:t>27/02/2020</a:t>
             </a:fld>
             <a:endParaRPr lang="en-US"/>
           </a:p>
@@ -1551,7 +1551,7 @@
           <a:p>
             <a:fld id="{AB8574FD-092A-4AB6-82E7-EA1D5F8CD1D9}" type="datetimeFigureOut">
               <a:rPr lang="en-US" smtClean="0"/>
-              <a:t>2/18/2020</a:t>
+              <a:t>27/02/2020</a:t>
             </a:fld>
             <a:endParaRPr lang="en-US"/>
           </a:p>
@@ -1850,7 +1850,7 @@
           <a:p>
             <a:fld id="{AB8574FD-092A-4AB6-82E7-EA1D5F8CD1D9}" type="datetimeFigureOut">
               <a:rPr lang="en-US" smtClean="0"/>
-              <a:t>2/18/2020</a:t>
+              <a:t>27/02/2020</a:t>
             </a:fld>
             <a:endParaRPr lang="en-US"/>
           </a:p>
@@ -2292,7 +2292,7 @@
           <a:p>
             <a:fld id="{AB8574FD-092A-4AB6-82E7-EA1D5F8CD1D9}" type="datetimeFigureOut">
               <a:rPr lang="en-US" smtClean="0"/>
-              <a:t>2/18/2020</a:t>
+              <a:t>27/02/2020</a:t>
             </a:fld>
             <a:endParaRPr lang="en-US"/>
           </a:p>
@@ -2399,7 +2399,7 @@
           <a:p>
             <a:fld id="{AB8574FD-092A-4AB6-82E7-EA1D5F8CD1D9}" type="datetimeFigureOut">
               <a:rPr lang="en-US" smtClean="0"/>
-              <a:t>2/18/2020</a:t>
+              <a:t>27/02/2020</a:t>
             </a:fld>
             <a:endParaRPr lang="en-US"/>
           </a:p>
@@ -2519,7 +2519,7 @@
           <a:p>
             <a:fld id="{AB8574FD-092A-4AB6-82E7-EA1D5F8CD1D9}" type="datetimeFigureOut">
               <a:rPr lang="en-US" smtClean="0"/>
-              <a:t>2/18/2020</a:t>
+              <a:t>27/02/2020</a:t>
             </a:fld>
             <a:endParaRPr lang="en-US"/>
           </a:p>
@@ -2804,7 +2804,7 @@
           <a:p>
             <a:fld id="{AB8574FD-092A-4AB6-82E7-EA1D5F8CD1D9}" type="datetimeFigureOut">
               <a:rPr lang="en-US" smtClean="0"/>
-              <a:t>2/18/2020</a:t>
+              <a:t>27/02/2020</a:t>
             </a:fld>
             <a:endParaRPr lang="en-US"/>
           </a:p>
@@ -3075,7 +3075,7 @@
           <a:p>
             <a:fld id="{AB8574FD-092A-4AB6-82E7-EA1D5F8CD1D9}" type="datetimeFigureOut">
               <a:rPr lang="en-US" smtClean="0"/>
-              <a:t>2/18/2020</a:t>
+              <a:t>27/02/2020</a:t>
             </a:fld>
             <a:endParaRPr lang="en-US"/>
           </a:p>
@@ -3301,7 +3301,7 @@
           <a:p>
             <a:fld id="{AB8574FD-092A-4AB6-82E7-EA1D5F8CD1D9}" type="datetimeFigureOut">
               <a:rPr lang="en-US" smtClean="0"/>
-              <a:t>2/18/2020</a:t>
+              <a:t>27/02/2020</a:t>
             </a:fld>
             <a:endParaRPr lang="en-US"/>
           </a:p>
@@ -4518,7 +4518,7 @@
         <p:spPr>
           <a:xfrm>
             <a:off x="257124" y="980728"/>
-            <a:ext cx="7751949" cy="2954655"/>
+            <a:ext cx="7751949" cy="3970318"/>
           </a:xfrm>
           <a:prstGeom prst="rect">
             <a:avLst/>
@@ -4542,7 +4542,7 @@
                 <a:latin typeface="Andalus" pitchFamily="18" charset="-78"/>
                 <a:cs typeface="Andalus" pitchFamily="18" charset="-78"/>
               </a:rPr>
-              <a:t>Efficient online application.</a:t>
+              <a:t>Easy and fast registration process</a:t>
             </a:r>
           </a:p>
           <a:p>
@@ -4557,7 +4557,7 @@
                 <a:latin typeface="Andalus" pitchFamily="18" charset="-78"/>
                 <a:cs typeface="Andalus" pitchFamily="18" charset="-78"/>
               </a:rPr>
-              <a:t>Less effort and time spent.</a:t>
+              <a:t>Easy and fast update students information .</a:t>
             </a:r>
           </a:p>
           <a:p>
@@ -4572,10 +4572,18 @@
                 <a:latin typeface="Andalus" pitchFamily="18" charset="-78"/>
                 <a:cs typeface="Andalus" pitchFamily="18" charset="-78"/>
               </a:rPr>
-              <a:t>Reliable infrastructure in order to contain clients private data.</a:t>
-            </a:r>
-          </a:p>
-          <a:p>
+              <a:t>Help </a:t>
+            </a:r>
+            <a:r>
+              <a:rPr lang="en-US" sz="2200" dirty="0">
+                <a:solidFill>
+                  <a:schemeClr val="bg1"/>
+                </a:solidFill>
+                <a:latin typeface="Andalus" pitchFamily="18" charset="-78"/>
+                <a:cs typeface="Andalus" pitchFamily="18" charset="-78"/>
+              </a:rPr>
+              <a:t>management unit Access to student </a:t>
+            </a:r>
             <a:r>
               <a:rPr lang="en-US" sz="2200" dirty="0" smtClean="0">
                 <a:solidFill>
@@ -4584,10 +4592,13 @@
                 <a:latin typeface="Andalus" pitchFamily="18" charset="-78"/>
                 <a:cs typeface="Andalus" pitchFamily="18" charset="-78"/>
               </a:rPr>
-              <a:t>4. Secure and private decisions.</a:t>
-            </a:r>
-          </a:p>
-          <a:p>
+              <a:t>information fast .</a:t>
+            </a:r>
+          </a:p>
+          <a:p>
+            <a:pPr marL="342900" indent="-342900">
+              <a:buAutoNum type="arabicPeriod"/>
+            </a:pPr>
             <a:r>
               <a:rPr lang="en-US" sz="2200" dirty="0" smtClean="0">
                 <a:solidFill>
@@ -4596,10 +4607,37 @@
                 <a:latin typeface="Andalus" pitchFamily="18" charset="-78"/>
                 <a:cs typeface="Andalus" pitchFamily="18" charset="-78"/>
               </a:rPr>
-              <a:t>5. Cost reduction.</a:t>
-            </a:r>
-          </a:p>
-          <a:p>
+              <a:t>Reduce </a:t>
+            </a:r>
+            <a:r>
+              <a:rPr lang="en-US" sz="2200" dirty="0">
+                <a:solidFill>
+                  <a:schemeClr val="bg1"/>
+                </a:solidFill>
+                <a:latin typeface="Andalus" pitchFamily="18" charset="-78"/>
+                <a:cs typeface="Andalus" pitchFamily="18" charset="-78"/>
+              </a:rPr>
+              <a:t>burden at management unit staff</a:t>
+            </a:r>
+            <a:endParaRPr lang="en-US" sz="2200" dirty="0" smtClean="0">
+              <a:solidFill>
+                <a:schemeClr val="bg1"/>
+              </a:solidFill>
+              <a:latin typeface="Andalus" pitchFamily="18" charset="-78"/>
+              <a:cs typeface="Andalus" pitchFamily="18" charset="-78"/>
+            </a:endParaRPr>
+          </a:p>
+          <a:p>
+            <a:r>
+              <a:rPr lang="en-US" sz="2200" dirty="0">
+                <a:solidFill>
+                  <a:schemeClr val="bg1"/>
+                </a:solidFill>
+                <a:latin typeface="Andalus" pitchFamily="18" charset="-78"/>
+                <a:cs typeface="Andalus" pitchFamily="18" charset="-78"/>
+              </a:rPr>
+              <a:t>5</a:t>
+            </a:r>
             <a:r>
               <a:rPr lang="en-US" sz="2200" dirty="0" smtClean="0">
                 <a:solidFill>
@@ -4608,8 +4646,88 @@
                 <a:latin typeface="Andalus" pitchFamily="18" charset="-78"/>
                 <a:cs typeface="Andalus" pitchFamily="18" charset="-78"/>
               </a:rPr>
-              <a:t>6. Less human interaction in terms of decision making .</a:t>
-            </a:r>
+              <a:t>.  Reduce burden at </a:t>
+            </a:r>
+            <a:r>
+              <a:rPr lang="en-US" sz="2200" dirty="0">
+                <a:solidFill>
+                  <a:schemeClr val="bg1"/>
+                </a:solidFill>
+                <a:latin typeface="Andalus" pitchFamily="18" charset="-78"/>
+                <a:cs typeface="Andalus" pitchFamily="18" charset="-78"/>
+              </a:rPr>
+              <a:t>Parents of students.</a:t>
+            </a:r>
+            <a:endParaRPr lang="en-US" sz="2200" dirty="0" smtClean="0">
+              <a:solidFill>
+                <a:schemeClr val="bg1"/>
+              </a:solidFill>
+              <a:latin typeface="Andalus" pitchFamily="18" charset="-78"/>
+              <a:cs typeface="Andalus" pitchFamily="18" charset="-78"/>
+            </a:endParaRPr>
+          </a:p>
+          <a:p>
+            <a:r>
+              <a:rPr lang="en-US" sz="2200" dirty="0">
+                <a:solidFill>
+                  <a:schemeClr val="bg1"/>
+                </a:solidFill>
+                <a:latin typeface="Andalus" pitchFamily="18" charset="-78"/>
+                <a:cs typeface="Andalus" pitchFamily="18" charset="-78"/>
+              </a:rPr>
+              <a:t>6</a:t>
+            </a:r>
+            <a:r>
+              <a:rPr lang="en-US" sz="2200" dirty="0" smtClean="0">
+                <a:solidFill>
+                  <a:schemeClr val="bg1"/>
+                </a:solidFill>
+                <a:latin typeface="Andalus" pitchFamily="18" charset="-78"/>
+                <a:cs typeface="Andalus" pitchFamily="18" charset="-78"/>
+              </a:rPr>
+              <a:t>. Cost reduction for students.</a:t>
+            </a:r>
+          </a:p>
+          <a:p>
+            <a:r>
+              <a:rPr lang="en-US" sz="2200" dirty="0">
+                <a:solidFill>
+                  <a:schemeClr val="bg1"/>
+                </a:solidFill>
+                <a:latin typeface="Andalus" pitchFamily="18" charset="-78"/>
+                <a:cs typeface="Andalus" pitchFamily="18" charset="-78"/>
+              </a:rPr>
+              <a:t>7</a:t>
+            </a:r>
+            <a:r>
+              <a:rPr lang="en-US" sz="2200" dirty="0" smtClean="0">
+                <a:solidFill>
+                  <a:schemeClr val="bg1"/>
+                </a:solidFill>
+                <a:latin typeface="Andalus" pitchFamily="18" charset="-78"/>
+                <a:cs typeface="Andalus" pitchFamily="18" charset="-78"/>
+              </a:rPr>
+              <a:t>. Depending on students dorm card for all year.</a:t>
+            </a:r>
+          </a:p>
+          <a:p>
+            <a:r>
+              <a:rPr lang="en-US" sz="2200" dirty="0">
+                <a:solidFill>
+                  <a:schemeClr val="bg1"/>
+                </a:solidFill>
+                <a:latin typeface="Andalus" pitchFamily="18" charset="-78"/>
+                <a:cs typeface="Andalus" pitchFamily="18" charset="-78"/>
+              </a:rPr>
+              <a:t>8. Use the web site to view the news of the internal dorms, the conditions for applying for housing, and registration dates</a:t>
+            </a:r>
+            <a:endParaRPr lang="en-US" sz="2200" dirty="0" smtClean="0">
+              <a:solidFill>
+                <a:schemeClr val="bg1"/>
+              </a:solidFill>
+              <a:latin typeface="Andalus" pitchFamily="18" charset="-78"/>
+              <a:cs typeface="Andalus" pitchFamily="18" charset="-78"/>
+            </a:endParaRPr>
           </a:p>
           <a:p>
             <a:pPr marL="342900" indent="-342900">
@@ -4654,7 +4772,7 @@
         </p:blipFill>
         <p:spPr bwMode="auto">
           <a:xfrm>
-            <a:off x="7020271" y="3429000"/>
+            <a:off x="7084749" y="3735366"/>
             <a:ext cx="1977607" cy="3127226"/>
           </a:xfrm>
           <a:prstGeom prst="rect">
@@ -6284,8 +6402,15 @@
                 <a:latin typeface="Andalus" pitchFamily="18" charset="-78"/>
                 <a:cs typeface="Andalus" pitchFamily="18" charset="-78"/>
               </a:rPr>
-              <a:t>Efficient online application.</a:t>
-            </a:r>
+              <a:t>Efficient Dorms website.</a:t>
+            </a:r>
+            <a:endParaRPr lang="en-US" sz="2200" dirty="0" smtClean="0">
+              <a:solidFill>
+                <a:schemeClr val="bg1"/>
+              </a:solidFill>
+              <a:latin typeface="Andalus" pitchFamily="18" charset="-78"/>
+              <a:cs typeface="Andalus" pitchFamily="18" charset="-78"/>
+            </a:endParaRPr>
           </a:p>
           <a:p>
             <a:pPr marL="342900" indent="-342900">
@@ -6314,8 +6439,15 @@
                 <a:latin typeface="Andalus" pitchFamily="18" charset="-78"/>
                 <a:cs typeface="Andalus" pitchFamily="18" charset="-78"/>
               </a:rPr>
-              <a:t>Reliable infrastructure in order to contain clients private data.</a:t>
-            </a:r>
+              <a:t>Maintain an integrated database containing all student data.</a:t>
+            </a:r>
+            <a:endParaRPr lang="en-US" sz="2200" dirty="0" smtClean="0">
+              <a:solidFill>
+                <a:schemeClr val="bg1"/>
+              </a:solidFill>
+              <a:latin typeface="Andalus" pitchFamily="18" charset="-78"/>
+              <a:cs typeface="Andalus" pitchFamily="18" charset="-78"/>
+            </a:endParaRPr>
           </a:p>
           <a:p>
             <a:pPr marL="342900" indent="-342900">
@@ -6329,8 +6461,35 @@
                 <a:latin typeface="Andalus" pitchFamily="18" charset="-78"/>
                 <a:cs typeface="Andalus" pitchFamily="18" charset="-78"/>
               </a:rPr>
-              <a:t>Secure and private decisions.</a:t>
-            </a:r>
+              <a:t>Make registration </a:t>
+            </a:r>
+            <a:r>
+              <a:rPr lang="en-US" sz="2200" dirty="0">
+                <a:solidFill>
+                  <a:schemeClr val="bg1"/>
+                </a:solidFill>
+                <a:latin typeface="Andalus" pitchFamily="18" charset="-78"/>
+                <a:cs typeface="Andalus" pitchFamily="18" charset="-78"/>
+              </a:rPr>
+              <a:t>process quick and </a:t>
+            </a:r>
+            <a:r>
+              <a:rPr lang="en-US" sz="2200" dirty="0" smtClean="0">
+                <a:solidFill>
+                  <a:schemeClr val="bg1"/>
+                </a:solidFill>
+                <a:latin typeface="Andalus" pitchFamily="18" charset="-78"/>
+                <a:cs typeface="Andalus" pitchFamily="18" charset="-78"/>
+              </a:rPr>
+              <a:t>easy.</a:t>
+            </a:r>
+            <a:endParaRPr lang="en-US" sz="2200" dirty="0" smtClean="0">
+              <a:solidFill>
+                <a:schemeClr val="bg1"/>
+              </a:solidFill>
+              <a:latin typeface="Andalus" pitchFamily="18" charset="-78"/>
+              <a:cs typeface="Andalus" pitchFamily="18" charset="-78"/>
+            </a:endParaRPr>
           </a:p>
           <a:p>
             <a:pPr marL="342900" indent="-342900">
@@ -6419,8 +6578,25 @@
                 <a:latin typeface="Andalus" pitchFamily="18" charset="-78"/>
                 <a:cs typeface="Andalus" pitchFamily="18" charset="-78"/>
               </a:rPr>
-              <a:t>Any suspecting will reject the entire request.</a:t>
-            </a:r>
+              <a:t>Allow only for student register</a:t>
+            </a:r>
+            <a:r>
+              <a:rPr lang="en-US" sz="2200" dirty="0" smtClean="0">
+                <a:solidFill>
+                  <a:schemeClr val="bg1"/>
+                </a:solidFill>
+                <a:latin typeface="Andalus" pitchFamily="18" charset="-78"/>
+                <a:cs typeface="Andalus" pitchFamily="18" charset="-78"/>
+              </a:rPr>
+              <a:t>.</a:t>
+            </a:r>
+            <a:endParaRPr lang="en-US" sz="2200" dirty="0" smtClean="0">
+              <a:solidFill>
+                <a:schemeClr val="bg1"/>
+              </a:solidFill>
+              <a:latin typeface="Andalus" pitchFamily="18" charset="-78"/>
+              <a:cs typeface="Andalus" pitchFamily="18" charset="-78"/>
+            </a:endParaRPr>
           </a:p>
           <a:p>
             <a:pPr marL="342900" indent="-342900">
@@ -6606,7 +6782,7 @@
         <p:spPr>
           <a:xfrm>
             <a:off x="110346" y="894779"/>
-            <a:ext cx="8507457" cy="2462213"/>
+            <a:ext cx="8113118" cy="2462213"/>
           </a:xfrm>
           <a:prstGeom prst="rect">
             <a:avLst/>
@@ -6630,7 +6806,7 @@
                 <a:latin typeface="Andalus" pitchFamily="18" charset="-78"/>
                 <a:cs typeface="Andalus" pitchFamily="18" charset="-78"/>
               </a:rPr>
-              <a:t>The application interfaces will be designed based on careful designed</a:t>
+              <a:t>The website will be designed based on careful designed</a:t>
             </a:r>
           </a:p>
           <a:p>
@@ -6650,15 +6826,22 @@
               <a:buAutoNum type="arabicPeriod" startAt="2"/>
             </a:pPr>
             <a:r>
-              <a:rPr lang="en-US" sz="2200" dirty="0" smtClean="0">
+              <a:rPr lang="en-US" sz="2200" dirty="0">
                 <a:solidFill>
                   <a:schemeClr val="bg1"/>
                 </a:solidFill>
                 <a:latin typeface="Andalus" pitchFamily="18" charset="-78"/>
                 <a:cs typeface="Andalus" pitchFamily="18" charset="-78"/>
               </a:rPr>
-              <a:t>Allowing users to register.</a:t>
-            </a:r>
+              <a:t>Only students are allowed to register after some verification steps.</a:t>
+            </a:r>
+            <a:endParaRPr lang="en-US" sz="2200" dirty="0" smtClean="0">
+              <a:solidFill>
+                <a:schemeClr val="bg1"/>
+              </a:solidFill>
+              <a:latin typeface="Andalus" pitchFamily="18" charset="-78"/>
+              <a:cs typeface="Andalus" pitchFamily="18" charset="-78"/>
+            </a:endParaRPr>
           </a:p>
           <a:p>
             <a:pPr marL="342900" indent="-342900">
